--- a/git Alex giu2020.pptx
+++ b/git Alex giu2020.pptx
@@ -120,6 +120,11 @@
       </a:defRPr>
     </a:lvl9pPr>
   </p:defaultTextStyle>
+  <p:extLst>
+    <p:ext uri="{EFAFB233-063F-42B5-8137-9DF3F51BA10A}">
+      <p15:sldGuideLst xmlns:p15="http://schemas.microsoft.com/office/powerpoint/2012/main"/>
+    </p:ext>
+  </p:extLst>
 </p:presentation>
 </file>
 
@@ -4648,7 +4653,7 @@
         <p:spPr>
           <a:xfrm>
             <a:off x="288000" y="288000"/>
-            <a:ext cx="8219880" cy="2583869"/>
+            <a:ext cx="8219880" cy="2860868"/>
           </a:xfrm>
           <a:prstGeom prst="rect">
             <a:avLst/>
@@ -4728,80 +4733,91 @@
               <a:rPr lang="it-IT" sz="1800" b="0" strike="noStrike" spc="-1" dirty="0">
                 <a:latin typeface="Arial"/>
               </a:rPr>
-              <a:t>In locale, nella </a:t>
-            </a:r>
-            <a:r>
-              <a:rPr lang="it-IT" sz="1800" b="0" strike="noStrike" spc="-1">
-                <a:latin typeface="Arial"/>
-              </a:rPr>
-              <a:t>cartella precedente faccio </a:t>
+              <a:t>In locale, nella cartella precedente faccio :</a:t>
+            </a:r>
+            <a:r>
+              <a:rPr lang="it-IT" sz="1800" b="0" strike="noStrike" spc="-1" dirty="0" err="1">
+                <a:latin typeface="Arial"/>
+              </a:rPr>
+              <a:t>git</a:t>
             </a:r>
             <a:r>
               <a:rPr lang="it-IT" sz="1800" b="0" strike="noStrike" spc="-1" dirty="0">
                 <a:latin typeface="Arial"/>
               </a:rPr>
-              <a:t>:</a:t>
+              <a:t> clone &lt;</a:t>
             </a:r>
             <a:r>
               <a:rPr lang="it-IT" sz="1800" b="0" strike="noStrike" spc="-1" dirty="0" err="1">
                 <a:latin typeface="Arial"/>
               </a:rPr>
+              <a:t>url</a:t>
+            </a:r>
+            <a:r>
+              <a:rPr lang="it-IT" sz="1800" b="0" strike="noStrike" spc="-1" dirty="0">
+                <a:latin typeface="Arial"/>
+              </a:rPr>
+              <a:t>&gt;</a:t>
+            </a:r>
+          </a:p>
+          <a:p>
+            <a:r>
+              <a:rPr lang="it-IT" sz="1800" b="0" strike="noStrike" spc="-1" dirty="0">
+                <a:latin typeface="Arial"/>
+              </a:rPr>
+              <a:t>Il server remoto mi chiede l’autenticazione e poi scarica</a:t>
+            </a:r>
+          </a:p>
+          <a:p>
+            <a:r>
+              <a:rPr lang="it-IT" sz="1800" b="0" strike="noStrike" spc="-1" dirty="0">
+                <a:latin typeface="Arial"/>
+              </a:rPr>
+              <a:t>Nella cartella in cui ho fatto :</a:t>
+            </a:r>
+            <a:r>
+              <a:rPr lang="it-IT" sz="1800" b="0" strike="noStrike" spc="-1" dirty="0" err="1">
+                <a:latin typeface="Arial"/>
+              </a:rPr>
               <a:t>git</a:t>
             </a:r>
             <a:r>
               <a:rPr lang="it-IT" sz="1800" b="0" strike="noStrike" spc="-1" dirty="0">
                 <a:latin typeface="Arial"/>
               </a:rPr>
-              <a:t> clone &lt;</a:t>
-            </a:r>
-            <a:r>
-              <a:rPr lang="it-IT" sz="1800" b="0" strike="noStrike" spc="-1" dirty="0" err="1">
-                <a:latin typeface="Arial"/>
-              </a:rPr>
-              <a:t>url</a:t>
-            </a:r>
+              <a:t> clone viene creata la cartella remota , </a:t>
+            </a:r>
+          </a:p>
+          <a:p>
             <a:r>
               <a:rPr lang="it-IT" sz="1800" b="0" strike="noStrike" spc="-1" dirty="0">
                 <a:latin typeface="Arial"/>
               </a:rPr>
-              <a:t>&gt;</a:t>
-            </a:r>
-          </a:p>
-          <a:p>
-            <a:r>
-              <a:rPr lang="it-IT" sz="1800" b="0" strike="noStrike" spc="-1" dirty="0">
-                <a:latin typeface="Arial"/>
-              </a:rPr>
-              <a:t>Il server remoto mi chiede l’autenticazione e poi scarica</a:t>
-            </a:r>
-          </a:p>
-          <a:p>
-            <a:r>
-              <a:rPr lang="it-IT" sz="1800" b="0" strike="noStrike" spc="-1" dirty="0">
-                <a:latin typeface="Arial"/>
-              </a:rPr>
-              <a:t>Nella cartella in cui ho fatto :</a:t>
-            </a:r>
-            <a:r>
-              <a:rPr lang="it-IT" sz="1800" b="0" strike="noStrike" spc="-1" dirty="0" err="1">
+              <a:t>quindi posso fare altri clone nella stessa cartella.</a:t>
+            </a:r>
+          </a:p>
+          <a:p>
+            <a:r>
+              <a:rPr lang="it-IT" spc="-1" dirty="0">
+                <a:latin typeface="Arial"/>
+              </a:rPr>
+              <a:t>L’aggiornamento si fa con :</a:t>
+            </a:r>
+            <a:r>
+              <a:rPr lang="it-IT" spc="-1" dirty="0" err="1">
                 <a:latin typeface="Arial"/>
               </a:rPr>
               <a:t>git</a:t>
             </a:r>
             <a:r>
-              <a:rPr lang="it-IT" sz="1800" b="0" strike="noStrike" spc="-1" dirty="0">
-                <a:latin typeface="Arial"/>
-              </a:rPr>
-              <a:t> clone viene creata la cartella remota , </a:t>
-            </a:r>
-          </a:p>
-          <a:p>
-            <a:r>
-              <a:rPr lang="it-IT" sz="1800" b="0" strike="noStrike" spc="-1" dirty="0">
-                <a:latin typeface="Arial"/>
-              </a:rPr>
-              <a:t>quindi posso fare altri clone nella stessa cartella</a:t>
-            </a:r>
+              <a:rPr lang="it-IT" spc="-1" dirty="0">
+                <a:latin typeface="Arial"/>
+              </a:rPr>
+              <a:t> pull   (e non update)</a:t>
+            </a:r>
+            <a:endParaRPr lang="it-IT" sz="1800" b="0" strike="noStrike" spc="-1" dirty="0">
+              <a:latin typeface="Arial"/>
+            </a:endParaRPr>
           </a:p>
         </p:txBody>
       </p:sp>
@@ -4817,7 +4833,7 @@
         </p:blipFill>
         <p:spPr>
           <a:xfrm>
-            <a:off x="360000" y="2736000"/>
+            <a:off x="288000" y="3558960"/>
             <a:ext cx="4718520" cy="2880000"/>
           </a:xfrm>
           <a:prstGeom prst="rect">
@@ -4840,7 +4856,7 @@
         </p:blipFill>
         <p:spPr>
           <a:xfrm>
-            <a:off x="5400000" y="2376000"/>
+            <a:off x="5438760" y="2588221"/>
             <a:ext cx="6753240" cy="4219560"/>
           </a:xfrm>
           <a:prstGeom prst="rect">

--- a/git Alex giu2020.pptx
+++ b/git Alex giu2020.pptx
@@ -13,15 +13,16 @@
     <p:sldId id="260" r:id="rId7"/>
     <p:sldId id="261" r:id="rId8"/>
     <p:sldId id="262" r:id="rId9"/>
-    <p:sldId id="263" r:id="rId10"/>
-    <p:sldId id="264" r:id="rId11"/>
-    <p:sldId id="265" r:id="rId12"/>
-    <p:sldId id="266" r:id="rId13"/>
-    <p:sldId id="267" r:id="rId14"/>
-    <p:sldId id="268" r:id="rId15"/>
-    <p:sldId id="269" r:id="rId16"/>
-    <p:sldId id="270" r:id="rId17"/>
-    <p:sldId id="271" r:id="rId18"/>
+    <p:sldId id="273" r:id="rId10"/>
+    <p:sldId id="263" r:id="rId11"/>
+    <p:sldId id="264" r:id="rId12"/>
+    <p:sldId id="265" r:id="rId13"/>
+    <p:sldId id="266" r:id="rId14"/>
+    <p:sldId id="267" r:id="rId15"/>
+    <p:sldId id="268" r:id="rId16"/>
+    <p:sldId id="269" r:id="rId17"/>
+    <p:sldId id="270" r:id="rId18"/>
+    <p:sldId id="271" r:id="rId19"/>
   </p:sldIdLst>
   <p:sldSz cx="12192000" cy="6858000"/>
   <p:notesSz cx="7559675" cy="10691813"/>
@@ -2541,77 +2542,9 @@
           <a:chExt cx="0" cy="0"/>
         </a:xfrm>
       </p:grpSpPr>
-      <p:sp>
-        <p:nvSpPr>
-          <p:cNvPr id="68" name="TextShape 1"/>
-          <p:cNvSpPr txBox="1"/>
-          <p:nvPr/>
-        </p:nvSpPr>
-        <p:spPr>
-          <a:xfrm>
-            <a:off x="216000" y="216000"/>
-            <a:ext cx="11088000" cy="602280"/>
-          </a:xfrm>
-          <a:prstGeom prst="rect">
-            <a:avLst/>
-          </a:prstGeom>
-          <a:noFill/>
-          <a:ln>
-            <a:noFill/>
-          </a:ln>
-        </p:spPr>
-        <p:txBody>
-          <a:bodyPr lIns="90000" tIns="45000" rIns="90000" bIns="45000">
-            <a:spAutoFit/>
-          </a:bodyPr>
-          <a:lstStyle/>
-          <a:p>
-            <a:r>
-              <a:rPr lang="it-IT" sz="1800" b="0" strike="noStrike" spc="-1">
-                <a:latin typeface="Arial"/>
-              </a:rPr>
-              <a:t>Se ho inizializzato erroneamente una cartella posso de-init semplicemente cancellando la cartella nascosta .git dentro la cartella interessata</a:t>
-            </a:r>
-          </a:p>
-        </p:txBody>
-      </p:sp>
-      <p:sp>
-        <p:nvSpPr>
-          <p:cNvPr id="69" name="TextShape 2"/>
-          <p:cNvSpPr txBox="1"/>
-          <p:nvPr/>
-        </p:nvSpPr>
-        <p:spPr>
-          <a:xfrm>
-            <a:off x="9288000" y="818280"/>
-            <a:ext cx="2592000" cy="1370160"/>
-          </a:xfrm>
-          <a:prstGeom prst="rect">
-            <a:avLst/>
-          </a:prstGeom>
-          <a:noFill/>
-          <a:ln>
-            <a:noFill/>
-          </a:ln>
-        </p:spPr>
-        <p:txBody>
-          <a:bodyPr lIns="90000" tIns="45000" rIns="90000" bIns="45000">
-            <a:spAutoFit/>
-          </a:bodyPr>
-          <a:lstStyle/>
-          <a:p>
-            <a:r>
-              <a:rPr lang="it-IT" sz="1800" b="0" strike="noStrike" spc="-1">
-                <a:latin typeface="Arial"/>
-              </a:rPr>
-              <a:t>https://stackoverflow.com/questions/3212459/is-there-a-command-to-undo-git-init</a:t>
-            </a:r>
-          </a:p>
-        </p:txBody>
-      </p:sp>
       <p:pic>
         <p:nvPicPr>
-          <p:cNvPr id="70" name="Immagine 69"/>
+          <p:cNvPr id="65" name="Immagine 64"/>
           <p:cNvPicPr/>
           <p:nvPr/>
         </p:nvPicPr>
@@ -2621,8 +2554,8 @@
         </p:blipFill>
         <p:spPr>
           <a:xfrm>
-            <a:off x="7056000" y="3024000"/>
-            <a:ext cx="4829040" cy="3191040"/>
+            <a:off x="6192000" y="360"/>
+            <a:ext cx="6036120" cy="6857640"/>
           </a:xfrm>
           <a:prstGeom prst="rect">
             <a:avLst/>
@@ -2634,14 +2567,65 @@
       </p:pic>
       <p:sp>
         <p:nvSpPr>
-          <p:cNvPr id="71" name="TextShape 3"/>
+          <p:cNvPr id="66" name="CustomShape 1"/>
+          <p:cNvSpPr/>
+          <p:nvPr/>
+        </p:nvSpPr>
+        <p:spPr>
+          <a:xfrm>
+            <a:off x="10512000" y="216000"/>
+            <a:ext cx="1008000" cy="936000"/>
+          </a:xfrm>
+          <a:prstGeom prst="ellipse">
+            <a:avLst/>
+          </a:prstGeom>
+          <a:solidFill>
+            <a:srgbClr val="729FCF"/>
+          </a:solidFill>
+          <a:ln>
+            <a:solidFill>
+              <a:srgbClr val="3465A4"/>
+            </a:solidFill>
+          </a:ln>
+        </p:spPr>
+        <p:style>
+          <a:lnRef idx="0">
+            <a:scrgbClr r="0" g="0" b="0"/>
+          </a:lnRef>
+          <a:fillRef idx="0">
+            <a:scrgbClr r="0" g="0" b="0"/>
+          </a:fillRef>
+          <a:effectRef idx="0">
+            <a:scrgbClr r="0" g="0" b="0"/>
+          </a:effectRef>
+          <a:fontRef idx="minor"/>
+        </p:style>
+        <p:txBody>
+          <a:bodyPr wrap="none" lIns="90000" tIns="45000" rIns="90000" bIns="45000" anchor="ctr">
+            <a:noAutofit/>
+          </a:bodyPr>
+          <a:lstStyle/>
+          <a:p>
+            <a:pPr algn="ctr"/>
+            <a:r>
+              <a:rPr lang="it-IT" sz="1800" b="0" strike="noStrike" spc="-1">
+                <a:latin typeface="Arial"/>
+              </a:rPr>
+              <a:t>2</a:t>
+            </a:r>
+          </a:p>
+        </p:txBody>
+      </p:sp>
+      <p:sp>
+        <p:nvSpPr>
+          <p:cNvPr id="67" name="TextShape 2"/>
           <p:cNvSpPr txBox="1"/>
           <p:nvPr/>
         </p:nvSpPr>
         <p:spPr>
           <a:xfrm>
-            <a:off x="6984000" y="818280"/>
-            <a:ext cx="2016000" cy="1882080"/>
+            <a:off x="216000" y="72000"/>
+            <a:ext cx="5832000" cy="4697640"/>
           </a:xfrm>
           <a:prstGeom prst="rect">
             <a:avLst/>
@@ -2661,8 +2645,95 @@
               <a:rPr lang="it-IT" sz="1800" b="0" strike="noStrike" spc="-1">
                 <a:latin typeface="Arial"/>
               </a:rPr>
-              <a:t>https://stackoverflow.com/questions/42830557/git-remote-add-origin-vs-remote-set-url-origin</a:t>
-            </a:r>
+              <a:t>Aggiungo un file e modifico uno di quelli scaricati</a:t>
+            </a:r>
+          </a:p>
+          <a:p>
+            <a:r>
+              <a:rPr lang="it-IT" sz="1800" b="0" strike="noStrike" spc="-1">
+                <a:latin typeface="Arial"/>
+              </a:rPr>
+              <a:t>Per aggiornare la repo remota devo:</a:t>
+            </a:r>
+          </a:p>
+          <a:p>
+            <a:r>
+              <a:rPr lang="it-IT" sz="1800" b="0" strike="noStrike" spc="-1">
+                <a:latin typeface="Arial"/>
+              </a:rPr>
+              <a:t>:git add -A ...o dei file interessati</a:t>
+            </a:r>
+          </a:p>
+          <a:p>
+            <a:r>
+              <a:rPr lang="it-IT" sz="1800" b="0" strike="noStrike" spc="-1">
+                <a:latin typeface="Arial"/>
+              </a:rPr>
+              <a:t>:git commit -m “commento”</a:t>
+            </a:r>
+          </a:p>
+          <a:p>
+            <a:r>
+              <a:rPr lang="it-IT" sz="1800" b="0" strike="noStrike" spc="-1">
+                <a:latin typeface="Arial"/>
+              </a:rPr>
+              <a:t>A questo punto ricevo un msg di commit ok ma in rete NON sono state apportate modifiche</a:t>
+            </a:r>
+          </a:p>
+          <a:p>
+            <a:r>
+              <a:rPr lang="it-IT" sz="1800" b="0" strike="noStrike" spc="-1">
+                <a:latin typeface="Arial"/>
+              </a:rPr>
+              <a:t>:git push -u origin master</a:t>
+            </a:r>
+          </a:p>
+          <a:p>
+            <a:r>
+              <a:rPr lang="it-IT" sz="1800" b="0" strike="noStrike" spc="-1">
+                <a:latin typeface="Arial"/>
+              </a:rPr>
+              <a:t>Solo alla fine avrò effettivamente compiuto tutto il lavoro.</a:t>
+            </a:r>
+          </a:p>
+          <a:p>
+            <a:endParaRPr lang="it-IT" sz="1800" b="0" strike="noStrike" spc="-1">
+              <a:latin typeface="Arial"/>
+            </a:endParaRPr>
+          </a:p>
+          <a:p>
+            <a:endParaRPr lang="it-IT" sz="1800" b="0" strike="noStrike" spc="-1">
+              <a:latin typeface="Arial"/>
+            </a:endParaRPr>
+          </a:p>
+          <a:p>
+            <a:r>
+              <a:rPr lang="it-IT" sz="1800" b="0" strike="noStrike" spc="-1">
+                <a:latin typeface="Arial"/>
+              </a:rPr>
+              <a:t>Se voglio recuperare modifiche fatte al repo in rete (quindi voglio aggiornare la mia copia clonata locale ) devo fare un fetch …</a:t>
+            </a:r>
+          </a:p>
+          <a:p>
+            <a:r>
+              <a:rPr lang="it-IT" sz="1800" b="0" strike="noStrike" spc="-1">
+                <a:latin typeface="Arial"/>
+              </a:rPr>
+              <a:t>:git pull</a:t>
+            </a:r>
+          </a:p>
+          <a:p>
+            <a:r>
+              <a:rPr lang="it-IT" sz="1800" b="0" strike="noStrike" spc="-1">
+                <a:latin typeface="Arial"/>
+              </a:rPr>
+              <a:t>Non serve specificare altro perché la cartella in rete è associata alla cartella locale</a:t>
+            </a:r>
+          </a:p>
+          <a:p>
+            <a:endParaRPr lang="it-IT" sz="1800" b="0" strike="noStrike" spc="-1">
+              <a:latin typeface="Arial"/>
+            </a:endParaRPr>
           </a:p>
         </p:txBody>
       </p:sp>
@@ -2691,6 +2762,131 @@
           <a:chExt cx="0" cy="0"/>
         </a:xfrm>
       </p:grpSpPr>
+      <p:sp>
+        <p:nvSpPr>
+          <p:cNvPr id="68" name="TextShape 1"/>
+          <p:cNvSpPr txBox="1"/>
+          <p:nvPr/>
+        </p:nvSpPr>
+        <p:spPr>
+          <a:xfrm>
+            <a:off x="216000" y="216000"/>
+            <a:ext cx="11088000" cy="602280"/>
+          </a:xfrm>
+          <a:prstGeom prst="rect">
+            <a:avLst/>
+          </a:prstGeom>
+          <a:noFill/>
+          <a:ln>
+            <a:noFill/>
+          </a:ln>
+        </p:spPr>
+        <p:txBody>
+          <a:bodyPr lIns="90000" tIns="45000" rIns="90000" bIns="45000">
+            <a:spAutoFit/>
+          </a:bodyPr>
+          <a:lstStyle/>
+          <a:p>
+            <a:r>
+              <a:rPr lang="it-IT" sz="1800" b="0" strike="noStrike" spc="-1">
+                <a:latin typeface="Arial"/>
+              </a:rPr>
+              <a:t>Se ho inizializzato erroneamente una cartella posso de-init semplicemente cancellando la cartella nascosta .git dentro la cartella interessata</a:t>
+            </a:r>
+          </a:p>
+        </p:txBody>
+      </p:sp>
+      <p:sp>
+        <p:nvSpPr>
+          <p:cNvPr id="69" name="TextShape 2"/>
+          <p:cNvSpPr txBox="1"/>
+          <p:nvPr/>
+        </p:nvSpPr>
+        <p:spPr>
+          <a:xfrm>
+            <a:off x="9288000" y="818280"/>
+            <a:ext cx="2592000" cy="1370160"/>
+          </a:xfrm>
+          <a:prstGeom prst="rect">
+            <a:avLst/>
+          </a:prstGeom>
+          <a:noFill/>
+          <a:ln>
+            <a:noFill/>
+          </a:ln>
+        </p:spPr>
+        <p:txBody>
+          <a:bodyPr lIns="90000" tIns="45000" rIns="90000" bIns="45000">
+            <a:spAutoFit/>
+          </a:bodyPr>
+          <a:lstStyle/>
+          <a:p>
+            <a:r>
+              <a:rPr lang="it-IT" sz="1800" b="0" strike="noStrike" spc="-1">
+                <a:latin typeface="Arial"/>
+              </a:rPr>
+              <a:t>https://stackoverflow.com/questions/3212459/is-there-a-command-to-undo-git-init</a:t>
+            </a:r>
+          </a:p>
+        </p:txBody>
+      </p:sp>
+      <p:pic>
+        <p:nvPicPr>
+          <p:cNvPr id="70" name="Immagine 69"/>
+          <p:cNvPicPr/>
+          <p:nvPr/>
+        </p:nvPicPr>
+        <p:blipFill>
+          <a:blip r:embed="rId2"/>
+          <a:stretch/>
+        </p:blipFill>
+        <p:spPr>
+          <a:xfrm>
+            <a:off x="7056000" y="3024000"/>
+            <a:ext cx="4829040" cy="3191040"/>
+          </a:xfrm>
+          <a:prstGeom prst="rect">
+            <a:avLst/>
+          </a:prstGeom>
+          <a:ln>
+            <a:noFill/>
+          </a:ln>
+        </p:spPr>
+      </p:pic>
+      <p:sp>
+        <p:nvSpPr>
+          <p:cNvPr id="71" name="TextShape 3"/>
+          <p:cNvSpPr txBox="1"/>
+          <p:nvPr/>
+        </p:nvSpPr>
+        <p:spPr>
+          <a:xfrm>
+            <a:off x="6984000" y="818280"/>
+            <a:ext cx="2016000" cy="1882080"/>
+          </a:xfrm>
+          <a:prstGeom prst="rect">
+            <a:avLst/>
+          </a:prstGeom>
+          <a:noFill/>
+          <a:ln>
+            <a:noFill/>
+          </a:ln>
+        </p:spPr>
+        <p:txBody>
+          <a:bodyPr lIns="90000" tIns="45000" rIns="90000" bIns="45000">
+            <a:spAutoFit/>
+          </a:bodyPr>
+          <a:lstStyle/>
+          <a:p>
+            <a:r>
+              <a:rPr lang="it-IT" sz="1800" b="0" strike="noStrike" spc="-1">
+                <a:latin typeface="Arial"/>
+              </a:rPr>
+              <a:t>https://stackoverflow.com/questions/42830557/git-remote-add-origin-vs-remote-set-url-origin</a:t>
+            </a:r>
+          </a:p>
+        </p:txBody>
+      </p:sp>
     </p:spTree>
   </p:cSld>
   <p:clrMapOvr>
@@ -2700,6 +2896,31 @@
 </file>
 
 <file path=ppt/slides/slide12.xml><?xml version="1.0" encoding="utf-8"?>
+<p:sld xmlns:a="http://schemas.openxmlformats.org/drawingml/2006/main" xmlns:r="http://schemas.openxmlformats.org/officeDocument/2006/relationships" xmlns:p="http://schemas.openxmlformats.org/presentationml/2006/main">
+  <p:cSld>
+    <p:spTree>
+      <p:nvGrpSpPr>
+        <p:cNvPr id="1" name=""/>
+        <p:cNvGrpSpPr/>
+        <p:nvPr/>
+      </p:nvGrpSpPr>
+      <p:grpSpPr>
+        <a:xfrm>
+          <a:off x="0" y="0"/>
+          <a:ext cx="0" cy="0"/>
+          <a:chOff x="0" y="0"/>
+          <a:chExt cx="0" cy="0"/>
+        </a:xfrm>
+      </p:grpSpPr>
+    </p:spTree>
+  </p:cSld>
+  <p:clrMapOvr>
+    <a:masterClrMapping/>
+  </p:clrMapOvr>
+</p:sld>
+</file>
+
+<file path=ppt/slides/slide13.xml><?xml version="1.0" encoding="utf-8"?>
 <p:sld xmlns:a="http://schemas.openxmlformats.org/drawingml/2006/main" xmlns:r="http://schemas.openxmlformats.org/officeDocument/2006/relationships" xmlns:p="http://schemas.openxmlformats.org/presentationml/2006/main">
   <p:cSld>
     <p:spTree>
@@ -2771,7 +2992,7 @@
 </p:sld>
 </file>
 
-<file path=ppt/slides/slide13.xml><?xml version="1.0" encoding="utf-8"?>
+<file path=ppt/slides/slide14.xml><?xml version="1.0" encoding="utf-8"?>
 <p:sld xmlns:a="http://schemas.openxmlformats.org/drawingml/2006/main" xmlns:r="http://schemas.openxmlformats.org/officeDocument/2006/relationships" xmlns:p="http://schemas.openxmlformats.org/presentationml/2006/main">
   <p:cSld>
     <p:spTree>
@@ -2896,7 +3117,7 @@
 </p:sld>
 </file>
 
-<file path=ppt/slides/slide14.xml><?xml version="1.0" encoding="utf-8"?>
+<file path=ppt/slides/slide15.xml><?xml version="1.0" encoding="utf-8"?>
 <p:sld xmlns:a="http://schemas.openxmlformats.org/drawingml/2006/main" xmlns:r="http://schemas.openxmlformats.org/officeDocument/2006/relationships" xmlns:p="http://schemas.openxmlformats.org/presentationml/2006/main">
   <p:cSld>
     <p:spTree>
@@ -3020,7 +3241,7 @@
 </p:sld>
 </file>
 
-<file path=ppt/slides/slide15.xml><?xml version="1.0" encoding="utf-8"?>
+<file path=ppt/slides/slide16.xml><?xml version="1.0" encoding="utf-8"?>
 <p:sld xmlns:a="http://schemas.openxmlformats.org/drawingml/2006/main" xmlns:r="http://schemas.openxmlformats.org/officeDocument/2006/relationships" xmlns:p="http://schemas.openxmlformats.org/presentationml/2006/main">
   <p:cSld>
     <p:spTree>
@@ -3460,7 +3681,7 @@
 </p:sld>
 </file>
 
-<file path=ppt/slides/slide16.xml><?xml version="1.0" encoding="utf-8"?>
+<file path=ppt/slides/slide17.xml><?xml version="1.0" encoding="utf-8"?>
 <p:sld xmlns:a="http://schemas.openxmlformats.org/drawingml/2006/main" xmlns:r="http://schemas.openxmlformats.org/officeDocument/2006/relationships" xmlns:p="http://schemas.openxmlformats.org/presentationml/2006/main">
   <p:cSld>
     <p:spTree>
@@ -3720,7 +3941,7 @@
 </p:sld>
 </file>
 
-<file path=ppt/slides/slide17.xml><?xml version="1.0" encoding="utf-8"?>
+<file path=ppt/slides/slide18.xml><?xml version="1.0" encoding="utf-8"?>
 <p:sld xmlns:a="http://schemas.openxmlformats.org/drawingml/2006/main" xmlns:r="http://schemas.openxmlformats.org/officeDocument/2006/relationships" xmlns:p="http://schemas.openxmlformats.org/presentationml/2006/main">
   <p:cSld>
     <p:spTree>
@@ -4977,39 +5198,22 @@
           <a:chExt cx="0" cy="0"/>
         </a:xfrm>
       </p:grpSpPr>
-      <p:pic>
-        <p:nvPicPr>
-          <p:cNvPr id="65" name="Immagine 64"/>
-          <p:cNvPicPr/>
-          <p:nvPr/>
-        </p:nvPicPr>
-        <p:blipFill>
-          <a:blip r:embed="rId2"/>
-          <a:stretch/>
-        </p:blipFill>
-        <p:spPr>
-          <a:xfrm>
-            <a:off x="6192000" y="360"/>
-            <a:ext cx="6036120" cy="6857640"/>
-          </a:xfrm>
-          <a:prstGeom prst="rect">
-            <a:avLst/>
-          </a:prstGeom>
-          <a:ln>
-            <a:noFill/>
-          </a:ln>
-        </p:spPr>
-      </p:pic>
-      <p:sp>
-        <p:nvSpPr>
-          <p:cNvPr id="66" name="CustomShape 1"/>
+      <p:sp>
+        <p:nvSpPr>
+          <p:cNvPr id="4" name="CustomShape 3">
+            <a:extLst>
+              <a:ext uri="{FF2B5EF4-FFF2-40B4-BE49-F238E27FC236}">
+                <a16:creationId xmlns:a16="http://schemas.microsoft.com/office/drawing/2014/main" id="{E52940BD-4056-4AE1-887D-795E542C5773}"/>
+              </a:ext>
+            </a:extLst>
+          </p:cNvPr>
           <p:cNvSpPr/>
           <p:nvPr/>
         </p:nvSpPr>
         <p:spPr>
           <a:xfrm>
-            <a:off x="10512000" y="216000"/>
-            <a:ext cx="1008000" cy="936000"/>
+            <a:off x="10535220" y="146160"/>
+            <a:ext cx="1296000" cy="1008000"/>
           </a:xfrm>
           <a:prstGeom prst="ellipse">
             <a:avLst/>
@@ -5043,136 +5247,241 @@
           <a:p>
             <a:pPr algn="ctr"/>
             <a:r>
-              <a:rPr lang="it-IT" sz="1800" b="0" strike="noStrike" spc="-1">
+              <a:rPr lang="it-IT" sz="1800" b="0" strike="noStrike" spc="-1" dirty="0">
                 <a:latin typeface="Arial"/>
               </a:rPr>
-              <a:t>2</a:t>
-            </a:r>
-          </a:p>
-        </p:txBody>
-      </p:sp>
-      <p:sp>
-        <p:nvSpPr>
-          <p:cNvPr id="67" name="TextShape 2"/>
+              <a:t>2bis</a:t>
+            </a:r>
+          </a:p>
+        </p:txBody>
+      </p:sp>
+      <p:sp>
+        <p:nvSpPr>
+          <p:cNvPr id="5" name="CasellaDiTesto 4">
+            <a:extLst>
+              <a:ext uri="{FF2B5EF4-FFF2-40B4-BE49-F238E27FC236}">
+                <a16:creationId xmlns:a16="http://schemas.microsoft.com/office/drawing/2014/main" id="{7B333D94-5D21-4B5F-80F4-463F45CB7E28}"/>
+              </a:ext>
+            </a:extLst>
+          </p:cNvPr>
           <p:cNvSpPr txBox="1"/>
           <p:nvPr/>
         </p:nvSpPr>
         <p:spPr>
           <a:xfrm>
-            <a:off x="216000" y="72000"/>
-            <a:ext cx="5832000" cy="4697640"/>
+            <a:off x="171450" y="400050"/>
+            <a:ext cx="10744200" cy="3970318"/>
           </a:xfrm>
           <a:prstGeom prst="rect">
             <a:avLst/>
           </a:prstGeom>
           <a:noFill/>
-          <a:ln>
-            <a:noFill/>
-          </a:ln>
-        </p:spPr>
-        <p:txBody>
-          <a:bodyPr lIns="90000" tIns="45000" rIns="90000" bIns="45000">
+        </p:spPr>
+        <p:txBody>
+          <a:bodyPr wrap="square" rtlCol="0">
             <a:spAutoFit/>
           </a:bodyPr>
           <a:lstStyle/>
           <a:p>
             <a:r>
-              <a:rPr lang="it-IT" sz="1800" b="0" strike="noStrike" spc="-1">
-                <a:latin typeface="Arial"/>
-              </a:rPr>
-              <a:t>Aggiungo un file e modifico uno di quelli scaricati</a:t>
-            </a:r>
-          </a:p>
-          <a:p>
-            <a:r>
-              <a:rPr lang="it-IT" sz="1800" b="0" strike="noStrike" spc="-1">
-                <a:latin typeface="Arial"/>
-              </a:rPr>
-              <a:t>Per aggiornare la repo remota devo:</a:t>
-            </a:r>
-          </a:p>
-          <a:p>
-            <a:r>
-              <a:rPr lang="it-IT" sz="1800" b="0" strike="noStrike" spc="-1">
-                <a:latin typeface="Arial"/>
-              </a:rPr>
-              <a:t>:git add -A ...o dei file interessati</a:t>
-            </a:r>
-          </a:p>
-          <a:p>
-            <a:r>
-              <a:rPr lang="it-IT" sz="1800" b="0" strike="noStrike" spc="-1">
-                <a:latin typeface="Arial"/>
-              </a:rPr>
-              <a:t>:git commit -m “commento”</a:t>
-            </a:r>
-          </a:p>
-          <a:p>
-            <a:r>
-              <a:rPr lang="it-IT" sz="1800" b="0" strike="noStrike" spc="-1">
-                <a:latin typeface="Arial"/>
-              </a:rPr>
-              <a:t>A questo punto ricevo un msg di commit ok ma in rete NON sono state apportate modifiche</a:t>
-            </a:r>
-          </a:p>
-          <a:p>
-            <a:r>
-              <a:rPr lang="it-IT" sz="1800" b="0" strike="noStrike" spc="-1">
-                <a:latin typeface="Arial"/>
-              </a:rPr>
-              <a:t>:git push -u origin master</a:t>
-            </a:r>
-          </a:p>
-          <a:p>
-            <a:r>
-              <a:rPr lang="it-IT" sz="1800" b="0" strike="noStrike" spc="-1">
-                <a:latin typeface="Arial"/>
-              </a:rPr>
-              <a:t>Solo alla fine avrò effettivamente compiuto tutto il lavoro.</a:t>
-            </a:r>
-          </a:p>
-          <a:p>
-            <a:endParaRPr lang="it-IT" sz="1800" b="0" strike="noStrike" spc="-1">
-              <a:latin typeface="Arial"/>
-            </a:endParaRPr>
-          </a:p>
-          <a:p>
-            <a:endParaRPr lang="it-IT" sz="1800" b="0" strike="noStrike" spc="-1">
-              <a:latin typeface="Arial"/>
-            </a:endParaRPr>
-          </a:p>
-          <a:p>
-            <a:r>
-              <a:rPr lang="it-IT" sz="1800" b="0" strike="noStrike" spc="-1">
-                <a:latin typeface="Arial"/>
-              </a:rPr>
-              <a:t>Se voglio recuperare modifiche fatte al repo in rete (quindi voglio aggiornare la mia copia clonata locale ) devo fare un fetch …</a:t>
-            </a:r>
-          </a:p>
-          <a:p>
-            <a:r>
-              <a:rPr lang="it-IT" sz="1800" b="0" strike="noStrike" spc="-1">
-                <a:latin typeface="Arial"/>
-              </a:rPr>
-              <a:t>:git pull</a:t>
-            </a:r>
-          </a:p>
-          <a:p>
-            <a:r>
-              <a:rPr lang="it-IT" sz="1800" b="0" strike="noStrike" spc="-1">
-                <a:latin typeface="Arial"/>
-              </a:rPr>
-              <a:t>Non serve specificare altro perché la cartella in rete è associata alla cartella locale</a:t>
-            </a:r>
-          </a:p>
-          <a:p>
-            <a:endParaRPr lang="it-IT" sz="1800" b="0" strike="noStrike" spc="-1">
-              <a:latin typeface="Arial"/>
-            </a:endParaRPr>
+              <a:rPr lang="it-IT" dirty="0"/>
+              <a:t>Per scaricare e fare l’upload sul repo in rete (ad es </a:t>
+            </a:r>
+            <a:r>
+              <a:rPr lang="it-IT" dirty="0" err="1"/>
+              <a:t>gitHub</a:t>
+            </a:r>
+            <a:r>
+              <a:rPr lang="it-IT" dirty="0"/>
+              <a:t>) devo usare </a:t>
+            </a:r>
+            <a:r>
+              <a:rPr lang="it-IT" dirty="0" err="1"/>
+              <a:t>push</a:t>
+            </a:r>
+            <a:r>
+              <a:rPr lang="it-IT" dirty="0"/>
+              <a:t>/pull e non solo </a:t>
+            </a:r>
+            <a:r>
+              <a:rPr lang="it-IT" dirty="0" err="1"/>
+              <a:t>commit</a:t>
+            </a:r>
+            <a:r>
+              <a:rPr lang="it-IT" dirty="0"/>
+              <a:t>/update (da approfondire).</a:t>
+            </a:r>
+          </a:p>
+          <a:p>
+            <a:r>
+              <a:rPr lang="it-IT" dirty="0"/>
+              <a:t>Comunque:</a:t>
+            </a:r>
+          </a:p>
+          <a:p>
+            <a:pPr marL="342900" indent="-342900">
+              <a:buFont typeface="+mj-lt"/>
+              <a:buAutoNum type="arabicPeriod"/>
+            </a:pPr>
+            <a:r>
+              <a:rPr lang="it-IT" dirty="0"/>
+              <a:t>modifico in locale un file che ha repo in rete</a:t>
+            </a:r>
+          </a:p>
+          <a:p>
+            <a:pPr marL="342900" indent="-342900">
+              <a:buFont typeface="+mj-lt"/>
+              <a:buAutoNum type="arabicPeriod"/>
+            </a:pPr>
+            <a:r>
+              <a:rPr lang="it-IT" dirty="0"/>
+              <a:t>:</a:t>
+            </a:r>
+            <a:r>
+              <a:rPr lang="it-IT" dirty="0" err="1"/>
+              <a:t>git</a:t>
+            </a:r>
+            <a:r>
+              <a:rPr lang="it-IT" dirty="0"/>
+              <a:t> status da il solito avviso in rosso , modifiche da aggiungere</a:t>
+            </a:r>
+          </a:p>
+          <a:p>
+            <a:pPr marL="342900" indent="-342900">
+              <a:buFont typeface="+mj-lt"/>
+              <a:buAutoNum type="arabicPeriod"/>
+            </a:pPr>
+            <a:r>
+              <a:rPr lang="it-IT" dirty="0"/>
+              <a:t>Faccio il normale :</a:t>
+            </a:r>
+            <a:r>
+              <a:rPr lang="it-IT" dirty="0" err="1"/>
+              <a:t>git</a:t>
+            </a:r>
+            <a:r>
+              <a:rPr lang="it-IT" dirty="0"/>
+              <a:t> </a:t>
+            </a:r>
+            <a:r>
+              <a:rPr lang="it-IT" dirty="0" err="1"/>
+              <a:t>commit</a:t>
+            </a:r>
+            <a:r>
+              <a:rPr lang="it-IT" dirty="0"/>
+              <a:t> –m «descrizione»     </a:t>
+            </a:r>
+            <a:r>
+              <a:rPr lang="it-IT" dirty="0" err="1"/>
+              <a:t>NOTA:non</a:t>
+            </a:r>
+            <a:r>
+              <a:rPr lang="it-IT" dirty="0"/>
+              <a:t> viene ancora aggiornato il repo in rete!!</a:t>
+            </a:r>
+          </a:p>
+          <a:p>
+            <a:pPr marL="342900" indent="-342900">
+              <a:buFont typeface="+mj-lt"/>
+              <a:buAutoNum type="arabicPeriod"/>
+            </a:pPr>
+            <a:r>
+              <a:rPr lang="it-IT" dirty="0"/>
+              <a:t>Faccio :</a:t>
+            </a:r>
+            <a:r>
+              <a:rPr lang="it-IT" dirty="0" err="1"/>
+              <a:t>git</a:t>
+            </a:r>
+            <a:r>
+              <a:rPr lang="it-IT" dirty="0"/>
+              <a:t> </a:t>
+            </a:r>
+            <a:r>
+              <a:rPr lang="it-IT" dirty="0" err="1"/>
+              <a:t>push</a:t>
+            </a:r>
+            <a:r>
+              <a:rPr lang="it-IT" dirty="0"/>
+              <a:t>   </a:t>
+            </a:r>
+            <a:r>
+              <a:rPr lang="it-IT" dirty="0" err="1"/>
+              <a:t>NOTA:ora</a:t>
+            </a:r>
+            <a:r>
+              <a:rPr lang="it-IT" dirty="0"/>
+              <a:t> viene aggiornato il remote</a:t>
+            </a:r>
+          </a:p>
+          <a:p>
+            <a:pPr marL="342900" indent="-342900">
+              <a:buFont typeface="+mj-lt"/>
+              <a:buAutoNum type="arabicPeriod"/>
+            </a:pPr>
+            <a:endParaRPr lang="it-IT" dirty="0"/>
+          </a:p>
+          <a:p>
+            <a:pPr marL="342900" indent="-342900">
+              <a:buFont typeface="+mj-lt"/>
+              <a:buAutoNum type="arabicPeriod"/>
+            </a:pPr>
+            <a:r>
+              <a:rPr lang="it-IT" dirty="0"/>
+              <a:t>Se invece voglio forzare l’aggiornamento della copia locale con i file freschi dal repo in rete devo fare :</a:t>
+            </a:r>
+            <a:r>
+              <a:rPr lang="it-IT" dirty="0" err="1"/>
+              <a:t>git</a:t>
+            </a:r>
+            <a:r>
+              <a:rPr lang="it-IT" dirty="0"/>
+              <a:t> </a:t>
+            </a:r>
+            <a:r>
+              <a:rPr lang="it-IT" dirty="0" err="1"/>
+              <a:t>push</a:t>
+            </a:r>
+            <a:r>
+              <a:rPr lang="it-IT" dirty="0"/>
+              <a:t>  </a:t>
+            </a:r>
+          </a:p>
+          <a:p>
+            <a:r>
+              <a:rPr lang="it-IT" dirty="0"/>
+              <a:t>L’abbinamento con la cartella remota è ovviamente stato impostato all’inizio.</a:t>
+            </a:r>
+          </a:p>
+          <a:p>
+            <a:endParaRPr lang="it-IT" dirty="0"/>
+          </a:p>
+          <a:p>
+            <a:r>
+              <a:rPr lang="it-IT" dirty="0"/>
+              <a:t>L’uso di </a:t>
+            </a:r>
+            <a:r>
+              <a:rPr lang="it-IT" dirty="0" err="1"/>
+              <a:t>commit</a:t>
+            </a:r>
+            <a:r>
+              <a:rPr lang="it-IT" dirty="0"/>
+              <a:t> e update fanno il lavoro in «locale»</a:t>
+            </a:r>
+          </a:p>
+          <a:p>
+            <a:pPr lvl="1"/>
+            <a:endParaRPr lang="it-IT" dirty="0"/>
           </a:p>
         </p:txBody>
       </p:sp>
     </p:spTree>
+    <p:extLst>
+      <p:ext uri="{BB962C8B-B14F-4D97-AF65-F5344CB8AC3E}">
+        <p14:creationId xmlns:p14="http://schemas.microsoft.com/office/powerpoint/2010/main" val="539792289"/>
+      </p:ext>
+    </p:extLst>
   </p:cSld>
   <p:clrMapOvr>
     <a:masterClrMapping/>
